--- a/ReCorDS_functions/Records.pptx
+++ b/ReCorDS_functions/Records.pptx
@@ -109,6 +109,11 @@
       </a:defRPr>
     </a:lvl9pPr>
   </p:defaultTextStyle>
+  <p:extLst>
+    <p:ext uri="{EFAFB233-063F-42B5-8137-9DF3F51BA10A}">
+      <p15:sldGuideLst xmlns:p15="http://schemas.microsoft.com/office/powerpoint/2012/main"/>
+    </p:ext>
+  </p:extLst>
 </p:presentation>
 </file>
 
@@ -261,7 +266,7 @@
           <a:p>
             <a:fld id="{73502E8B-5219-4AA9-B97C-BF88D1F6F25B}" type="datetimeFigureOut">
               <a:rPr lang="en-CA" smtClean="0"/>
-              <a:t>2020-12-08</a:t>
+              <a:t>2021-01-28</a:t>
             </a:fld>
             <a:endParaRPr lang="en-CA"/>
           </a:p>
@@ -461,7 +466,7 @@
           <a:p>
             <a:fld id="{73502E8B-5219-4AA9-B97C-BF88D1F6F25B}" type="datetimeFigureOut">
               <a:rPr lang="en-CA" smtClean="0"/>
-              <a:t>2020-12-08</a:t>
+              <a:t>2021-01-28</a:t>
             </a:fld>
             <a:endParaRPr lang="en-CA"/>
           </a:p>
@@ -671,7 +676,7 @@
           <a:p>
             <a:fld id="{73502E8B-5219-4AA9-B97C-BF88D1F6F25B}" type="datetimeFigureOut">
               <a:rPr lang="en-CA" smtClean="0"/>
-              <a:t>2020-12-08</a:t>
+              <a:t>2021-01-28</a:t>
             </a:fld>
             <a:endParaRPr lang="en-CA"/>
           </a:p>
@@ -871,7 +876,7 @@
           <a:p>
             <a:fld id="{73502E8B-5219-4AA9-B97C-BF88D1F6F25B}" type="datetimeFigureOut">
               <a:rPr lang="en-CA" smtClean="0"/>
-              <a:t>2020-12-08</a:t>
+              <a:t>2021-01-28</a:t>
             </a:fld>
             <a:endParaRPr lang="en-CA"/>
           </a:p>
@@ -1147,7 +1152,7 @@
           <a:p>
             <a:fld id="{73502E8B-5219-4AA9-B97C-BF88D1F6F25B}" type="datetimeFigureOut">
               <a:rPr lang="en-CA" smtClean="0"/>
-              <a:t>2020-12-08</a:t>
+              <a:t>2021-01-28</a:t>
             </a:fld>
             <a:endParaRPr lang="en-CA"/>
           </a:p>
@@ -1415,7 +1420,7 @@
           <a:p>
             <a:fld id="{73502E8B-5219-4AA9-B97C-BF88D1F6F25B}" type="datetimeFigureOut">
               <a:rPr lang="en-CA" smtClean="0"/>
-              <a:t>2020-12-08</a:t>
+              <a:t>2021-01-28</a:t>
             </a:fld>
             <a:endParaRPr lang="en-CA"/>
           </a:p>
@@ -1830,7 +1835,7 @@
           <a:p>
             <a:fld id="{73502E8B-5219-4AA9-B97C-BF88D1F6F25B}" type="datetimeFigureOut">
               <a:rPr lang="en-CA" smtClean="0"/>
-              <a:t>2020-12-08</a:t>
+              <a:t>2021-01-28</a:t>
             </a:fld>
             <a:endParaRPr lang="en-CA"/>
           </a:p>
@@ -1972,7 +1977,7 @@
           <a:p>
             <a:fld id="{73502E8B-5219-4AA9-B97C-BF88D1F6F25B}" type="datetimeFigureOut">
               <a:rPr lang="en-CA" smtClean="0"/>
-              <a:t>2020-12-08</a:t>
+              <a:t>2021-01-28</a:t>
             </a:fld>
             <a:endParaRPr lang="en-CA"/>
           </a:p>
@@ -2085,7 +2090,7 @@
           <a:p>
             <a:fld id="{73502E8B-5219-4AA9-B97C-BF88D1F6F25B}" type="datetimeFigureOut">
               <a:rPr lang="en-CA" smtClean="0"/>
-              <a:t>2020-12-08</a:t>
+              <a:t>2021-01-28</a:t>
             </a:fld>
             <a:endParaRPr lang="en-CA"/>
           </a:p>
@@ -2398,7 +2403,7 @@
           <a:p>
             <a:fld id="{73502E8B-5219-4AA9-B97C-BF88D1F6F25B}" type="datetimeFigureOut">
               <a:rPr lang="en-CA" smtClean="0"/>
-              <a:t>2020-12-08</a:t>
+              <a:t>2021-01-28</a:t>
             </a:fld>
             <a:endParaRPr lang="en-CA"/>
           </a:p>
@@ -2687,7 +2692,7 @@
           <a:p>
             <a:fld id="{73502E8B-5219-4AA9-B97C-BF88D1F6F25B}" type="datetimeFigureOut">
               <a:rPr lang="en-CA" smtClean="0"/>
-              <a:t>2020-12-08</a:t>
+              <a:t>2021-01-28</a:t>
             </a:fld>
             <a:endParaRPr lang="en-CA"/>
           </a:p>
@@ -2930,7 +2935,7 @@
           <a:p>
             <a:fld id="{73502E8B-5219-4AA9-B97C-BF88D1F6F25B}" type="datetimeFigureOut">
               <a:rPr lang="en-CA" smtClean="0"/>
-              <a:t>2020-12-08</a:t>
+              <a:t>2021-01-28</a:t>
             </a:fld>
             <a:endParaRPr lang="en-CA"/>
           </a:p>
@@ -4048,9 +4053,18 @@
           <a:p>
             <a:pPr lvl="1"/>
             <a:r>
+              <a:rPr lang="fr-CA" dirty="0" err="1"/>
+              <a:t>mat_to_json.m</a:t>
+            </a:r>
+            <a:r>
               <a:rPr lang="fr-CA" dirty="0"/>
-              <a:t>REALcreationScriptv2</a:t>
-            </a:r>
+              <a:t>  -&gt;  </a:t>
+            </a:r>
+            <a:r>
+              <a:rPr lang="fr-CA" dirty="0" err="1"/>
+              <a:t>JsonSubjectFileCreation.m</a:t>
+            </a:r>
+            <a:endParaRPr lang="fr-CA" dirty="0"/>
           </a:p>
           <a:p>
             <a:endParaRPr lang="fr-CA" dirty="0"/>
@@ -4077,9 +4091,18 @@
           <a:p>
             <a:pPr lvl="1"/>
             <a:r>
+              <a:rPr lang="fr-CA" dirty="0" err="1"/>
+              <a:t>json_to_struct.m</a:t>
+            </a:r>
+            <a:r>
               <a:rPr lang="fr-CA" dirty="0"/>
-              <a:t>openjsonv2</a:t>
-            </a:r>
+              <a:t>  -&gt;  </a:t>
+            </a:r>
+            <a:r>
+              <a:rPr lang="fr-CA" dirty="0" err="1"/>
+              <a:t>openjson.m</a:t>
+            </a:r>
+            <a:endParaRPr lang="fr-CA" dirty="0"/>
           </a:p>
           <a:p>
             <a:pPr marL="457200" lvl="1" indent="0">
@@ -4270,6 +4293,10 @@
               <a:rPr lang="fr-CA" dirty="0"/>
               <a:t>Induction</a:t>
             </a:r>
+          </a:p>
+          <a:p>
+            <a:pPr lvl="1"/>
+            <a:endParaRPr lang="fr-CA" dirty="0"/>
           </a:p>
           <a:p>
             <a:pPr lvl="1"/>
